--- a/Misc/Powerpoints/DFD_0.pptx
+++ b/Misc/Powerpoints/DFD_0.pptx
@@ -247,7 +247,7 @@
           <a:p>
             <a:fld id="{3D779448-3E22-46CB-BE87-6150906A4864}" type="datetimeFigureOut">
               <a:rPr lang="en-US" smtClean="0"/>
-              <a:t>3/24/2018</a:t>
+              <a:t>4/7/2018</a:t>
             </a:fld>
             <a:endParaRPr lang="en-US"/>
           </a:p>
@@ -417,7 +417,7 @@
           <a:p>
             <a:fld id="{3D779448-3E22-46CB-BE87-6150906A4864}" type="datetimeFigureOut">
               <a:rPr lang="en-US" smtClean="0"/>
-              <a:t>3/24/2018</a:t>
+              <a:t>4/7/2018</a:t>
             </a:fld>
             <a:endParaRPr lang="en-US"/>
           </a:p>
@@ -597,7 +597,7 @@
           <a:p>
             <a:fld id="{3D779448-3E22-46CB-BE87-6150906A4864}" type="datetimeFigureOut">
               <a:rPr lang="en-US" smtClean="0"/>
-              <a:t>3/24/2018</a:t>
+              <a:t>4/7/2018</a:t>
             </a:fld>
             <a:endParaRPr lang="en-US"/>
           </a:p>
@@ -767,7 +767,7 @@
           <a:p>
             <a:fld id="{3D779448-3E22-46CB-BE87-6150906A4864}" type="datetimeFigureOut">
               <a:rPr lang="en-US" smtClean="0"/>
-              <a:t>3/24/2018</a:t>
+              <a:t>4/7/2018</a:t>
             </a:fld>
             <a:endParaRPr lang="en-US"/>
           </a:p>
@@ -1013,7 +1013,7 @@
           <a:p>
             <a:fld id="{3D779448-3E22-46CB-BE87-6150906A4864}" type="datetimeFigureOut">
               <a:rPr lang="en-US" smtClean="0"/>
-              <a:t>3/24/2018</a:t>
+              <a:t>4/7/2018</a:t>
             </a:fld>
             <a:endParaRPr lang="en-US"/>
           </a:p>
@@ -1245,7 +1245,7 @@
           <a:p>
             <a:fld id="{3D779448-3E22-46CB-BE87-6150906A4864}" type="datetimeFigureOut">
               <a:rPr lang="en-US" smtClean="0"/>
-              <a:t>3/24/2018</a:t>
+              <a:t>4/7/2018</a:t>
             </a:fld>
             <a:endParaRPr lang="en-US"/>
           </a:p>
@@ -1612,7 +1612,7 @@
           <a:p>
             <a:fld id="{3D779448-3E22-46CB-BE87-6150906A4864}" type="datetimeFigureOut">
               <a:rPr lang="en-US" smtClean="0"/>
-              <a:t>3/24/2018</a:t>
+              <a:t>4/7/2018</a:t>
             </a:fld>
             <a:endParaRPr lang="en-US"/>
           </a:p>
@@ -1730,7 +1730,7 @@
           <a:p>
             <a:fld id="{3D779448-3E22-46CB-BE87-6150906A4864}" type="datetimeFigureOut">
               <a:rPr lang="en-US" smtClean="0"/>
-              <a:t>3/24/2018</a:t>
+              <a:t>4/7/2018</a:t>
             </a:fld>
             <a:endParaRPr lang="en-US"/>
           </a:p>
@@ -1825,7 +1825,7 @@
           <a:p>
             <a:fld id="{3D779448-3E22-46CB-BE87-6150906A4864}" type="datetimeFigureOut">
               <a:rPr lang="en-US" smtClean="0"/>
-              <a:t>3/24/2018</a:t>
+              <a:t>4/7/2018</a:t>
             </a:fld>
             <a:endParaRPr lang="en-US"/>
           </a:p>
@@ -2102,7 +2102,7 @@
           <a:p>
             <a:fld id="{3D779448-3E22-46CB-BE87-6150906A4864}" type="datetimeFigureOut">
               <a:rPr lang="en-US" smtClean="0"/>
-              <a:t>3/24/2018</a:t>
+              <a:t>4/7/2018</a:t>
             </a:fld>
             <a:endParaRPr lang="en-US"/>
           </a:p>
@@ -2355,7 +2355,7 @@
           <a:p>
             <a:fld id="{3D779448-3E22-46CB-BE87-6150906A4864}" type="datetimeFigureOut">
               <a:rPr lang="en-US" smtClean="0"/>
-              <a:t>3/24/2018</a:t>
+              <a:t>4/7/2018</a:t>
             </a:fld>
             <a:endParaRPr lang="en-US"/>
           </a:p>
@@ -2568,7 +2568,7 @@
           <a:p>
             <a:fld id="{3D779448-3E22-46CB-BE87-6150906A4864}" type="datetimeFigureOut">
               <a:rPr lang="en-US" smtClean="0"/>
-              <a:t>3/24/2018</a:t>
+              <a:t>4/7/2018</a:t>
             </a:fld>
             <a:endParaRPr lang="en-US"/>
           </a:p>
@@ -3169,290 +3169,115 @@
           <a:chExt cx="0" cy="0"/>
         </a:xfrm>
       </p:grpSpPr>
-      <p:sp>
-        <p:nvSpPr>
-          <p:cNvPr id="2" name="Rectangle 1"/>
-          <p:cNvSpPr/>
-          <p:nvPr/>
-        </p:nvSpPr>
-        <p:spPr>
-          <a:xfrm>
-            <a:off x="4185529" y="1622154"/>
-            <a:ext cx="3626834" cy="4177778"/>
-          </a:xfrm>
-          <a:prstGeom prst="rect">
-            <a:avLst/>
-          </a:prstGeom>
-        </p:spPr>
-        <p:style>
-          <a:lnRef idx="1">
-            <a:schemeClr val="accent1"/>
-          </a:lnRef>
-          <a:fillRef idx="2">
-            <a:schemeClr val="accent1"/>
-          </a:fillRef>
-          <a:effectRef idx="1">
-            <a:schemeClr val="accent1"/>
-          </a:effectRef>
-          <a:fontRef idx="minor">
-            <a:schemeClr val="dk1"/>
-          </a:fontRef>
-        </p:style>
-        <p:txBody>
-          <a:bodyPr rtlCol="0" anchor="ctr"/>
-          <a:lstStyle/>
-          <a:p>
-            <a:pPr algn="ctr"/>
-            <a:endParaRPr lang="en-US"/>
-          </a:p>
-        </p:txBody>
-      </p:sp>
-      <p:sp>
-        <p:nvSpPr>
-          <p:cNvPr id="5" name="Rectangle 4"/>
-          <p:cNvSpPr/>
-          <p:nvPr/>
-        </p:nvSpPr>
-        <p:spPr>
-          <a:xfrm>
-            <a:off x="237933" y="2602616"/>
-            <a:ext cx="2394285" cy="950494"/>
-          </a:xfrm>
-          <a:prstGeom prst="rect">
-            <a:avLst/>
-          </a:prstGeom>
-          <a:solidFill>
-            <a:schemeClr val="accent6"/>
-          </a:solidFill>
-        </p:spPr>
-        <p:style>
-          <a:lnRef idx="3">
-            <a:schemeClr val="lt1"/>
-          </a:lnRef>
-          <a:fillRef idx="1">
-            <a:schemeClr val="accent3"/>
-          </a:fillRef>
-          <a:effectRef idx="1">
-            <a:schemeClr val="accent3"/>
-          </a:effectRef>
-          <a:fontRef idx="minor">
-            <a:schemeClr val="lt1"/>
-          </a:fontRef>
-        </p:style>
-        <p:txBody>
-          <a:bodyPr rtlCol="0" anchor="ctr"/>
-          <a:lstStyle/>
-          <a:p>
-            <a:pPr algn="ctr"/>
-            <a:r>
-              <a:rPr lang="en-US" sz="2400" dirty="0" smtClean="0"/>
-              <a:t>Touchscreen</a:t>
-            </a:r>
-            <a:endParaRPr lang="en-US" sz="2400" dirty="0"/>
-          </a:p>
-        </p:txBody>
-      </p:sp>
-      <p:sp>
-        <p:nvSpPr>
-          <p:cNvPr id="9" name="Right Arrow 8"/>
-          <p:cNvSpPr/>
-          <p:nvPr/>
-        </p:nvSpPr>
-        <p:spPr>
-          <a:xfrm rot="635141">
-            <a:off x="2677794" y="3055218"/>
-            <a:ext cx="1768631" cy="348916"/>
-          </a:xfrm>
-          <a:prstGeom prst="rightArrow">
-            <a:avLst/>
-          </a:prstGeom>
-        </p:spPr>
-        <p:style>
-          <a:lnRef idx="2">
-            <a:schemeClr val="accent4">
-              <a:shade val="50000"/>
-            </a:schemeClr>
-          </a:lnRef>
-          <a:fillRef idx="1">
-            <a:schemeClr val="accent4"/>
-          </a:fillRef>
-          <a:effectRef idx="0">
-            <a:schemeClr val="accent4"/>
-          </a:effectRef>
-          <a:fontRef idx="minor">
-            <a:schemeClr val="lt1"/>
-          </a:fontRef>
-        </p:style>
-        <p:txBody>
-          <a:bodyPr rtlCol="0" anchor="ctr"/>
-          <a:lstStyle/>
-          <a:p>
-            <a:pPr algn="ctr"/>
-            <a:endParaRPr lang="en-US"/>
-          </a:p>
-        </p:txBody>
-      </p:sp>
-      <p:sp>
-        <p:nvSpPr>
-          <p:cNvPr id="21" name="Rectangle 20"/>
-          <p:cNvSpPr/>
-          <p:nvPr/>
-        </p:nvSpPr>
-        <p:spPr>
-          <a:xfrm>
-            <a:off x="9535016" y="1789885"/>
-            <a:ext cx="2394285" cy="950494"/>
-          </a:xfrm>
-          <a:prstGeom prst="rect">
-            <a:avLst/>
-          </a:prstGeom>
-          <a:solidFill>
-            <a:schemeClr val="accent6"/>
-          </a:solidFill>
-        </p:spPr>
-        <p:style>
-          <a:lnRef idx="3">
-            <a:schemeClr val="lt1"/>
-          </a:lnRef>
-          <a:fillRef idx="1">
-            <a:schemeClr val="accent3"/>
-          </a:fillRef>
-          <a:effectRef idx="1">
-            <a:schemeClr val="accent3"/>
-          </a:effectRef>
-          <a:fontRef idx="minor">
-            <a:schemeClr val="lt1"/>
-          </a:fontRef>
-        </p:style>
-        <p:txBody>
-          <a:bodyPr rtlCol="0" anchor="ctr"/>
-          <a:lstStyle/>
-          <a:p>
-            <a:pPr algn="ctr"/>
-            <a:r>
-              <a:rPr lang="en-US" sz="2400" dirty="0" smtClean="0"/>
-              <a:t>Voice Output</a:t>
-            </a:r>
-            <a:endParaRPr lang="en-US" sz="2400" dirty="0"/>
-          </a:p>
-        </p:txBody>
-      </p:sp>
-      <p:sp>
-        <p:nvSpPr>
-          <p:cNvPr id="22" name="Rectangle 21"/>
-          <p:cNvSpPr/>
-          <p:nvPr/>
-        </p:nvSpPr>
-        <p:spPr>
-          <a:xfrm>
-            <a:off x="9535016" y="4812637"/>
-            <a:ext cx="2394285" cy="950494"/>
-          </a:xfrm>
-          <a:prstGeom prst="rect">
-            <a:avLst/>
-          </a:prstGeom>
-          <a:solidFill>
-            <a:schemeClr val="accent6"/>
-          </a:solidFill>
-        </p:spPr>
-        <p:style>
-          <a:lnRef idx="3">
-            <a:schemeClr val="lt1"/>
-          </a:lnRef>
-          <a:fillRef idx="1">
-            <a:schemeClr val="accent3"/>
-          </a:fillRef>
-          <a:effectRef idx="1">
-            <a:schemeClr val="accent3"/>
-          </a:effectRef>
-          <a:fontRef idx="minor">
-            <a:schemeClr val="lt1"/>
-          </a:fontRef>
-        </p:style>
-        <p:txBody>
-          <a:bodyPr rtlCol="0" anchor="ctr"/>
-          <a:lstStyle/>
-          <a:p>
-            <a:pPr algn="ctr"/>
-            <a:r>
-              <a:rPr lang="en-US" sz="2400" dirty="0" smtClean="0"/>
-              <a:t>Display Output</a:t>
-            </a:r>
-            <a:endParaRPr lang="en-US" sz="2400" dirty="0"/>
-          </a:p>
-        </p:txBody>
-      </p:sp>
-      <p:sp>
-        <p:nvSpPr>
-          <p:cNvPr id="25" name="Rectangle 24"/>
-          <p:cNvSpPr/>
-          <p:nvPr/>
-        </p:nvSpPr>
-        <p:spPr>
-          <a:xfrm>
-            <a:off x="237933" y="3940296"/>
-            <a:ext cx="2394285" cy="950494"/>
-          </a:xfrm>
-          <a:prstGeom prst="rect">
-            <a:avLst/>
-          </a:prstGeom>
-          <a:solidFill>
-            <a:schemeClr val="accent6"/>
-          </a:solidFill>
-        </p:spPr>
-        <p:style>
-          <a:lnRef idx="3">
-            <a:schemeClr val="lt1"/>
-          </a:lnRef>
-          <a:fillRef idx="1">
-            <a:schemeClr val="accent3"/>
-          </a:fillRef>
-          <a:effectRef idx="1">
-            <a:schemeClr val="accent3"/>
-          </a:effectRef>
-          <a:fontRef idx="minor">
-            <a:schemeClr val="lt1"/>
-          </a:fontRef>
-        </p:style>
-        <p:txBody>
-          <a:bodyPr rtlCol="0" anchor="ctr"/>
-          <a:lstStyle/>
-          <a:p>
-            <a:pPr algn="ctr"/>
-            <a:r>
-              <a:rPr lang="en-US" sz="2400" dirty="0" smtClean="0"/>
-              <a:t>Voice Input</a:t>
-            </a:r>
-            <a:endParaRPr lang="en-US" sz="2400" dirty="0"/>
-          </a:p>
-        </p:txBody>
-      </p:sp>
       <p:grpSp>
         <p:nvGrpSpPr>
-          <p:cNvPr id="8" name="Group 7"/>
+          <p:cNvPr id="4" name="Group 3"/>
           <p:cNvGrpSpPr/>
           <p:nvPr/>
         </p:nvGrpSpPr>
         <p:grpSpPr>
           <a:xfrm>
-            <a:off x="2719757" y="3818637"/>
-            <a:ext cx="1723328" cy="615911"/>
-            <a:chOff x="2719757" y="3818637"/>
-            <a:chExt cx="1723328" cy="615911"/>
+            <a:off x="237933" y="346398"/>
+            <a:ext cx="11691368" cy="5453534"/>
+            <a:chOff x="237933" y="346398"/>
+            <a:chExt cx="11691368" cy="5453534"/>
           </a:xfrm>
         </p:grpSpPr>
         <p:sp>
           <p:nvSpPr>
-            <p:cNvPr id="3" name="Pentagon 2"/>
+            <p:cNvPr id="2" name="Rectangle 1"/>
             <p:cNvSpPr/>
             <p:nvPr/>
           </p:nvSpPr>
           <p:spPr>
-            <a:xfrm rot="20519460">
-              <a:off x="2719757" y="4271653"/>
-              <a:ext cx="673330" cy="162895"/>
+            <a:xfrm>
+              <a:off x="4185529" y="1622154"/>
+              <a:ext cx="3626834" cy="4177778"/>
             </a:xfrm>
-            <a:prstGeom prst="homePlate">
+            <a:prstGeom prst="rect">
+              <a:avLst/>
+            </a:prstGeom>
+          </p:spPr>
+          <p:style>
+            <a:lnRef idx="1">
+              <a:schemeClr val="accent1"/>
+            </a:lnRef>
+            <a:fillRef idx="2">
+              <a:schemeClr val="accent1"/>
+            </a:fillRef>
+            <a:effectRef idx="1">
+              <a:schemeClr val="accent1"/>
+            </a:effectRef>
+            <a:fontRef idx="minor">
+              <a:schemeClr val="dk1"/>
+            </a:fontRef>
+          </p:style>
+          <p:txBody>
+            <a:bodyPr rtlCol="0" anchor="ctr"/>
+            <a:lstStyle/>
+            <a:p>
+              <a:pPr algn="ctr"/>
+              <a:endParaRPr lang="en-US"/>
+            </a:p>
+          </p:txBody>
+        </p:sp>
+        <p:sp>
+          <p:nvSpPr>
+            <p:cNvPr id="5" name="Rectangle 4"/>
+            <p:cNvSpPr/>
+            <p:nvPr/>
+          </p:nvSpPr>
+          <p:spPr>
+            <a:xfrm>
+              <a:off x="237933" y="2602616"/>
+              <a:ext cx="2394285" cy="950494"/>
+            </a:xfrm>
+            <a:prstGeom prst="rect">
+              <a:avLst/>
+            </a:prstGeom>
+            <a:solidFill>
+              <a:schemeClr val="accent6"/>
+            </a:solidFill>
+          </p:spPr>
+          <p:style>
+            <a:lnRef idx="3">
+              <a:schemeClr val="lt1"/>
+            </a:lnRef>
+            <a:fillRef idx="1">
+              <a:schemeClr val="accent3"/>
+            </a:fillRef>
+            <a:effectRef idx="1">
+              <a:schemeClr val="accent3"/>
+            </a:effectRef>
+            <a:fontRef idx="minor">
+              <a:schemeClr val="lt1"/>
+            </a:fontRef>
+          </p:style>
+          <p:txBody>
+            <a:bodyPr rtlCol="0" anchor="ctr"/>
+            <a:lstStyle/>
+            <a:p>
+              <a:pPr algn="ctr"/>
+              <a:r>
+                <a:rPr lang="en-US" sz="2400" dirty="0" smtClean="0"/>
+                <a:t>Touchscreen</a:t>
+              </a:r>
+              <a:endParaRPr lang="en-US" sz="2400" dirty="0"/>
+            </a:p>
+          </p:txBody>
+        </p:sp>
+        <p:sp>
+          <p:nvSpPr>
+            <p:cNvPr id="9" name="Right Arrow 8"/>
+            <p:cNvSpPr/>
+            <p:nvPr/>
+          </p:nvSpPr>
+          <p:spPr>
+            <a:xfrm rot="635141">
+              <a:off x="2677794" y="3055218"/>
+              <a:ext cx="1768631" cy="348916"/>
+            </a:xfrm>
+            <a:prstGeom prst="rightArrow">
               <a:avLst/>
             </a:prstGeom>
           </p:spPr>
@@ -3483,30 +3308,31 @@
         </p:sp>
         <p:sp>
           <p:nvSpPr>
-            <p:cNvPr id="6" name="Chevron 5"/>
+            <p:cNvPr id="21" name="Rectangle 20"/>
             <p:cNvSpPr/>
             <p:nvPr/>
           </p:nvSpPr>
           <p:spPr>
-            <a:xfrm rot="20519460">
-              <a:off x="3371251" y="4133849"/>
-              <a:ext cx="218122" cy="162896"/>
+            <a:xfrm>
+              <a:off x="9535016" y="1789885"/>
+              <a:ext cx="2394285" cy="950494"/>
             </a:xfrm>
-            <a:prstGeom prst="chevron">
+            <a:prstGeom prst="rect">
               <a:avLst/>
             </a:prstGeom>
+            <a:solidFill>
+              <a:schemeClr val="accent6"/>
+            </a:solidFill>
           </p:spPr>
           <p:style>
-            <a:lnRef idx="2">
-              <a:schemeClr val="accent4">
-                <a:shade val="50000"/>
-              </a:schemeClr>
+            <a:lnRef idx="3">
+              <a:schemeClr val="lt1"/>
             </a:lnRef>
             <a:fillRef idx="1">
-              <a:schemeClr val="accent4"/>
+              <a:schemeClr val="accent3"/>
             </a:fillRef>
-            <a:effectRef idx="0">
-              <a:schemeClr val="accent4"/>
+            <a:effectRef idx="1">
+              <a:schemeClr val="accent3"/>
             </a:effectRef>
             <a:fontRef idx="minor">
               <a:schemeClr val="lt1"/>
@@ -3517,40 +3343,41 @@
             <a:lstStyle/>
             <a:p>
               <a:pPr algn="ctr"/>
-              <a:endParaRPr lang="en-US">
-                <a:solidFill>
-                  <a:schemeClr val="tx1"/>
-                </a:solidFill>
-              </a:endParaRPr>
+              <a:r>
+                <a:rPr lang="en-US" sz="2400" dirty="0" smtClean="0"/>
+                <a:t>Voice Output</a:t>
+              </a:r>
+              <a:endParaRPr lang="en-US" sz="2400" dirty="0"/>
             </a:p>
           </p:txBody>
         </p:sp>
         <p:sp>
           <p:nvSpPr>
-            <p:cNvPr id="29" name="Chevron 28"/>
+            <p:cNvPr id="22" name="Rectangle 21"/>
             <p:cNvSpPr/>
             <p:nvPr/>
           </p:nvSpPr>
           <p:spPr>
-            <a:xfrm rot="20519460">
-              <a:off x="3576193" y="4067223"/>
-              <a:ext cx="218122" cy="162896"/>
+            <a:xfrm>
+              <a:off x="9535016" y="4812637"/>
+              <a:ext cx="2394285" cy="950494"/>
             </a:xfrm>
-            <a:prstGeom prst="chevron">
+            <a:prstGeom prst="rect">
               <a:avLst/>
             </a:prstGeom>
+            <a:solidFill>
+              <a:schemeClr val="accent6"/>
+            </a:solidFill>
           </p:spPr>
           <p:style>
-            <a:lnRef idx="2">
-              <a:schemeClr val="accent4">
-                <a:shade val="50000"/>
-              </a:schemeClr>
+            <a:lnRef idx="3">
+              <a:schemeClr val="lt1"/>
             </a:lnRef>
             <a:fillRef idx="1">
-              <a:schemeClr val="accent4"/>
+              <a:schemeClr val="accent3"/>
             </a:fillRef>
-            <a:effectRef idx="0">
-              <a:schemeClr val="accent4"/>
+            <a:effectRef idx="1">
+              <a:schemeClr val="accent3"/>
             </a:effectRef>
             <a:fontRef idx="minor">
               <a:schemeClr val="lt1"/>
@@ -3561,40 +3388,41 @@
             <a:lstStyle/>
             <a:p>
               <a:pPr algn="ctr"/>
-              <a:endParaRPr lang="en-US">
-                <a:solidFill>
-                  <a:schemeClr val="tx1"/>
-                </a:solidFill>
-              </a:endParaRPr>
+              <a:r>
+                <a:rPr lang="en-US" sz="2400" dirty="0" smtClean="0"/>
+                <a:t>Display Output</a:t>
+              </a:r>
+              <a:endParaRPr lang="en-US" sz="2400" dirty="0"/>
             </a:p>
           </p:txBody>
         </p:sp>
         <p:sp>
           <p:nvSpPr>
-            <p:cNvPr id="30" name="Chevron 29"/>
+            <p:cNvPr id="25" name="Rectangle 24"/>
             <p:cNvSpPr/>
             <p:nvPr/>
           </p:nvSpPr>
           <p:spPr>
-            <a:xfrm rot="20519460">
-              <a:off x="3783619" y="3999789"/>
-              <a:ext cx="218122" cy="162896"/>
+            <a:xfrm>
+              <a:off x="237933" y="3940296"/>
+              <a:ext cx="2394285" cy="950494"/>
             </a:xfrm>
-            <a:prstGeom prst="chevron">
+            <a:prstGeom prst="rect">
               <a:avLst/>
             </a:prstGeom>
+            <a:solidFill>
+              <a:schemeClr val="accent6"/>
+            </a:solidFill>
           </p:spPr>
           <p:style>
-            <a:lnRef idx="2">
-              <a:schemeClr val="accent4">
-                <a:shade val="50000"/>
-              </a:schemeClr>
+            <a:lnRef idx="3">
+              <a:schemeClr val="lt1"/>
             </a:lnRef>
             <a:fillRef idx="1">
-              <a:schemeClr val="accent4"/>
+              <a:schemeClr val="accent3"/>
             </a:fillRef>
-            <a:effectRef idx="0">
-              <a:schemeClr val="accent4"/>
+            <a:effectRef idx="1">
+              <a:schemeClr val="accent3"/>
             </a:effectRef>
             <a:fontRef idx="minor">
               <a:schemeClr val="lt1"/>
@@ -3605,165 +3433,352 @@
             <a:lstStyle/>
             <a:p>
               <a:pPr algn="ctr"/>
-              <a:endParaRPr lang="en-US">
-                <a:solidFill>
-                  <a:schemeClr val="tx1"/>
-                </a:solidFill>
-              </a:endParaRPr>
+              <a:r>
+                <a:rPr lang="en-US" sz="2400" dirty="0" smtClean="0"/>
+                <a:t>Voice Input</a:t>
+              </a:r>
+              <a:endParaRPr lang="en-US" sz="2400" dirty="0"/>
+            </a:p>
+          </p:txBody>
+        </p:sp>
+        <p:grpSp>
+          <p:nvGrpSpPr>
+            <p:cNvPr id="8" name="Group 7"/>
+            <p:cNvGrpSpPr/>
+            <p:nvPr/>
+          </p:nvGrpSpPr>
+          <p:grpSpPr>
+            <a:xfrm>
+              <a:off x="2719757" y="3818637"/>
+              <a:ext cx="1723328" cy="615911"/>
+              <a:chOff x="2719757" y="3818637"/>
+              <a:chExt cx="1723328" cy="615911"/>
+            </a:xfrm>
+          </p:grpSpPr>
+          <p:sp>
+            <p:nvSpPr>
+              <p:cNvPr id="3" name="Pentagon 2"/>
+              <p:cNvSpPr/>
+              <p:nvPr/>
+            </p:nvSpPr>
+            <p:spPr>
+              <a:xfrm rot="20519460">
+                <a:off x="2719757" y="4271653"/>
+                <a:ext cx="673330" cy="162895"/>
+              </a:xfrm>
+              <a:prstGeom prst="homePlate">
+                <a:avLst/>
+              </a:prstGeom>
+            </p:spPr>
+            <p:style>
+              <a:lnRef idx="2">
+                <a:schemeClr val="accent4">
+                  <a:shade val="50000"/>
+                </a:schemeClr>
+              </a:lnRef>
+              <a:fillRef idx="1">
+                <a:schemeClr val="accent4"/>
+              </a:fillRef>
+              <a:effectRef idx="0">
+                <a:schemeClr val="accent4"/>
+              </a:effectRef>
+              <a:fontRef idx="minor">
+                <a:schemeClr val="lt1"/>
+              </a:fontRef>
+            </p:style>
+            <p:txBody>
+              <a:bodyPr rtlCol="0" anchor="ctr"/>
+              <a:lstStyle/>
+              <a:p>
+                <a:pPr algn="ctr"/>
+                <a:endParaRPr lang="en-US"/>
+              </a:p>
+            </p:txBody>
+          </p:sp>
+          <p:sp>
+            <p:nvSpPr>
+              <p:cNvPr id="6" name="Chevron 5"/>
+              <p:cNvSpPr/>
+              <p:nvPr/>
+            </p:nvSpPr>
+            <p:spPr>
+              <a:xfrm rot="20519460">
+                <a:off x="3371251" y="4133849"/>
+                <a:ext cx="218122" cy="162896"/>
+              </a:xfrm>
+              <a:prstGeom prst="chevron">
+                <a:avLst/>
+              </a:prstGeom>
+            </p:spPr>
+            <p:style>
+              <a:lnRef idx="2">
+                <a:schemeClr val="accent4">
+                  <a:shade val="50000"/>
+                </a:schemeClr>
+              </a:lnRef>
+              <a:fillRef idx="1">
+                <a:schemeClr val="accent4"/>
+              </a:fillRef>
+              <a:effectRef idx="0">
+                <a:schemeClr val="accent4"/>
+              </a:effectRef>
+              <a:fontRef idx="minor">
+                <a:schemeClr val="lt1"/>
+              </a:fontRef>
+            </p:style>
+            <p:txBody>
+              <a:bodyPr rtlCol="0" anchor="ctr"/>
+              <a:lstStyle/>
+              <a:p>
+                <a:pPr algn="ctr"/>
+                <a:endParaRPr lang="en-US">
+                  <a:solidFill>
+                    <a:schemeClr val="tx1"/>
+                  </a:solidFill>
+                </a:endParaRPr>
+              </a:p>
+            </p:txBody>
+          </p:sp>
+          <p:sp>
+            <p:nvSpPr>
+              <p:cNvPr id="29" name="Chevron 28"/>
+              <p:cNvSpPr/>
+              <p:nvPr/>
+            </p:nvSpPr>
+            <p:spPr>
+              <a:xfrm rot="20519460">
+                <a:off x="3576193" y="4067223"/>
+                <a:ext cx="218122" cy="162896"/>
+              </a:xfrm>
+              <a:prstGeom prst="chevron">
+                <a:avLst/>
+              </a:prstGeom>
+            </p:spPr>
+            <p:style>
+              <a:lnRef idx="2">
+                <a:schemeClr val="accent4">
+                  <a:shade val="50000"/>
+                </a:schemeClr>
+              </a:lnRef>
+              <a:fillRef idx="1">
+                <a:schemeClr val="accent4"/>
+              </a:fillRef>
+              <a:effectRef idx="0">
+                <a:schemeClr val="accent4"/>
+              </a:effectRef>
+              <a:fontRef idx="minor">
+                <a:schemeClr val="lt1"/>
+              </a:fontRef>
+            </p:style>
+            <p:txBody>
+              <a:bodyPr rtlCol="0" anchor="ctr"/>
+              <a:lstStyle/>
+              <a:p>
+                <a:pPr algn="ctr"/>
+                <a:endParaRPr lang="en-US">
+                  <a:solidFill>
+                    <a:schemeClr val="tx1"/>
+                  </a:solidFill>
+                </a:endParaRPr>
+              </a:p>
+            </p:txBody>
+          </p:sp>
+          <p:sp>
+            <p:nvSpPr>
+              <p:cNvPr id="30" name="Chevron 29"/>
+              <p:cNvSpPr/>
+              <p:nvPr/>
+            </p:nvSpPr>
+            <p:spPr>
+              <a:xfrm rot="20519460">
+                <a:off x="3783619" y="3999789"/>
+                <a:ext cx="218122" cy="162896"/>
+              </a:xfrm>
+              <a:prstGeom prst="chevron">
+                <a:avLst/>
+              </a:prstGeom>
+            </p:spPr>
+            <p:style>
+              <a:lnRef idx="2">
+                <a:schemeClr val="accent4">
+                  <a:shade val="50000"/>
+                </a:schemeClr>
+              </a:lnRef>
+              <a:fillRef idx="1">
+                <a:schemeClr val="accent4"/>
+              </a:fillRef>
+              <a:effectRef idx="0">
+                <a:schemeClr val="accent4"/>
+              </a:effectRef>
+              <a:fontRef idx="minor">
+                <a:schemeClr val="lt1"/>
+              </a:fontRef>
+            </p:style>
+            <p:txBody>
+              <a:bodyPr rtlCol="0" anchor="ctr"/>
+              <a:lstStyle/>
+              <a:p>
+                <a:pPr algn="ctr"/>
+                <a:endParaRPr lang="en-US">
+                  <a:solidFill>
+                    <a:schemeClr val="tx1"/>
+                  </a:solidFill>
+                </a:endParaRPr>
+              </a:p>
+            </p:txBody>
+          </p:sp>
+          <p:sp>
+            <p:nvSpPr>
+              <p:cNvPr id="7" name="Notched Right Arrow 6"/>
+              <p:cNvSpPr/>
+              <p:nvPr/>
+            </p:nvSpPr>
+            <p:spPr>
+              <a:xfrm rot="20519460">
+                <a:off x="3982625" y="3818637"/>
+                <a:ext cx="460460" cy="317027"/>
+              </a:xfrm>
+              <a:prstGeom prst="notchedRightArrow">
+                <a:avLst/>
+              </a:prstGeom>
+            </p:spPr>
+            <p:style>
+              <a:lnRef idx="2">
+                <a:schemeClr val="accent4">
+                  <a:shade val="50000"/>
+                </a:schemeClr>
+              </a:lnRef>
+              <a:fillRef idx="1">
+                <a:schemeClr val="accent4"/>
+              </a:fillRef>
+              <a:effectRef idx="0">
+                <a:schemeClr val="accent4"/>
+              </a:effectRef>
+              <a:fontRef idx="minor">
+                <a:schemeClr val="lt1"/>
+              </a:fontRef>
+            </p:style>
+            <p:txBody>
+              <a:bodyPr rtlCol="0" anchor="ctr"/>
+              <a:lstStyle/>
+              <a:p>
+                <a:pPr algn="ctr"/>
+                <a:endParaRPr lang="en-US"/>
+              </a:p>
+            </p:txBody>
+          </p:sp>
+        </p:grpSp>
+        <p:sp>
+          <p:nvSpPr>
+            <p:cNvPr id="11" name="TextBox 10"/>
+            <p:cNvSpPr txBox="1"/>
+            <p:nvPr/>
+          </p:nvSpPr>
+          <p:spPr>
+            <a:xfrm>
+              <a:off x="4570104" y="2249854"/>
+              <a:ext cx="2938884" cy="2031325"/>
+            </a:xfrm>
+            <a:prstGeom prst="rect">
+              <a:avLst/>
+            </a:prstGeom>
+            <a:noFill/>
+          </p:spPr>
+          <p:txBody>
+            <a:bodyPr wrap="square" rtlCol="0">
+              <a:spAutoFit/>
+            </a:bodyPr>
+            <a:lstStyle/>
+            <a:p>
+              <a:pPr algn="ctr"/>
+              <a:r>
+                <a:rPr lang="en-US" dirty="0"/>
+                <a:t>Cereal Dispenser System</a:t>
+              </a:r>
+            </a:p>
+            <a:p>
+              <a:pPr algn="ctr"/>
+              <a:r>
+                <a:rPr lang="en-US" dirty="0"/>
+                <a:t>[CDS]</a:t>
+              </a:r>
+              <a:endParaRPr lang="en-US" sz="1050" dirty="0"/>
+            </a:p>
+            <a:p>
+              <a:endParaRPr lang="en-US" dirty="0" smtClean="0"/>
+            </a:p>
+            <a:p>
+              <a:r>
+                <a:rPr lang="en-US" dirty="0" smtClean="0"/>
+                <a:t>- Cereal Dispensing Module</a:t>
+              </a:r>
+            </a:p>
+            <a:p>
+              <a:r>
+                <a:rPr lang="en-US" dirty="0" smtClean="0"/>
+                <a:t>- Milk Dispensing Module</a:t>
+              </a:r>
+            </a:p>
+            <a:p>
+              <a:r>
+                <a:rPr lang="en-US" dirty="0" smtClean="0"/>
+                <a:t>- Speech Recognition Module</a:t>
+              </a:r>
+            </a:p>
+            <a:p>
+              <a:r>
+                <a:rPr lang="en-US" dirty="0" smtClean="0"/>
+                <a:t>- Response Module</a:t>
+              </a:r>
             </a:p>
           </p:txBody>
         </p:sp>
         <p:sp>
           <p:nvSpPr>
-            <p:cNvPr id="7" name="Notched Right Arrow 6"/>
+            <p:cNvPr id="31" name="Rectangle 30"/>
             <p:cNvSpPr/>
             <p:nvPr/>
           </p:nvSpPr>
           <p:spPr>
-            <a:xfrm rot="20519460">
-              <a:off x="3982625" y="3818637"/>
-              <a:ext cx="460460" cy="317027"/>
+            <a:xfrm>
+              <a:off x="4786072" y="346398"/>
+              <a:ext cx="2448106" cy="1200329"/>
             </a:xfrm>
-            <a:prstGeom prst="notchedRightArrow">
+            <a:prstGeom prst="rect">
               <a:avLst/>
             </a:prstGeom>
+            <a:noFill/>
           </p:spPr>
-          <p:style>
-            <a:lnRef idx="2">
-              <a:schemeClr val="accent4">
-                <a:shade val="50000"/>
-              </a:schemeClr>
-            </a:lnRef>
-            <a:fillRef idx="1">
-              <a:schemeClr val="accent4"/>
-            </a:fillRef>
-            <a:effectRef idx="0">
-              <a:schemeClr val="accent4"/>
-            </a:effectRef>
-            <a:fontRef idx="minor">
-              <a:schemeClr val="lt1"/>
-            </a:fontRef>
-          </p:style>
           <p:txBody>
-            <a:bodyPr rtlCol="0" anchor="ctr"/>
+            <a:bodyPr wrap="none" lIns="91440" tIns="45720" rIns="91440" bIns="45720">
+              <a:spAutoFit/>
+            </a:bodyPr>
             <a:lstStyle/>
             <a:p>
               <a:pPr algn="ctr"/>
-              <a:endParaRPr lang="en-US"/>
-            </a:p>
-          </p:txBody>
-        </p:sp>
-      </p:grpSp>
-      <p:sp>
-        <p:nvSpPr>
-          <p:cNvPr id="11" name="TextBox 10"/>
-          <p:cNvSpPr txBox="1"/>
-          <p:nvPr/>
-        </p:nvSpPr>
-        <p:spPr>
-          <a:xfrm>
-            <a:off x="4570104" y="2249854"/>
-            <a:ext cx="2938884" cy="2031325"/>
-          </a:xfrm>
-          <a:prstGeom prst="rect">
-            <a:avLst/>
-          </a:prstGeom>
-          <a:noFill/>
-        </p:spPr>
-        <p:txBody>
-          <a:bodyPr wrap="square" rtlCol="0">
-            <a:spAutoFit/>
-          </a:bodyPr>
-          <a:lstStyle/>
-          <a:p>
-            <a:pPr algn="ctr"/>
-            <a:r>
-              <a:rPr lang="en-US" dirty="0"/>
-              <a:t>Cereal Dispenser System</a:t>
-            </a:r>
-          </a:p>
-          <a:p>
-            <a:pPr algn="ctr"/>
-            <a:r>
-              <a:rPr lang="en-US" dirty="0"/>
-              <a:t>[CDS]</a:t>
-            </a:r>
-            <a:endParaRPr lang="en-US" sz="1050" dirty="0"/>
-          </a:p>
-          <a:p>
-            <a:endParaRPr lang="en-US" dirty="0" smtClean="0"/>
-          </a:p>
-          <a:p>
-            <a:r>
-              <a:rPr lang="en-US" dirty="0" smtClean="0"/>
-              <a:t>- </a:t>
-            </a:r>
-            <a:r>
-              <a:rPr lang="en-US" dirty="0" smtClean="0"/>
-              <a:t>Cereal Dispensing Module</a:t>
-            </a:r>
-            <a:endParaRPr lang="en-US" dirty="0" smtClean="0"/>
-          </a:p>
-          <a:p>
-            <a:r>
-              <a:rPr lang="en-US" dirty="0" smtClean="0"/>
-              <a:t>- </a:t>
-            </a:r>
-            <a:r>
-              <a:rPr lang="en-US" dirty="0" smtClean="0"/>
-              <a:t>Milk Dispensing Module</a:t>
-            </a:r>
-            <a:endParaRPr lang="en-US" dirty="0" smtClean="0"/>
-          </a:p>
-          <a:p>
-            <a:r>
-              <a:rPr lang="en-US" dirty="0" smtClean="0"/>
-              <a:t>- </a:t>
-            </a:r>
-            <a:r>
-              <a:rPr lang="en-US" dirty="0" smtClean="0"/>
-              <a:t>Speech Recognition Module</a:t>
-            </a:r>
-            <a:endParaRPr lang="en-US" dirty="0" smtClean="0"/>
-          </a:p>
-          <a:p>
-            <a:r>
-              <a:rPr lang="en-US" dirty="0" smtClean="0"/>
-              <a:t>- </a:t>
-            </a:r>
-            <a:r>
-              <a:rPr lang="en-US" dirty="0" smtClean="0"/>
-              <a:t>Response Module</a:t>
-            </a:r>
-            <a:endParaRPr lang="en-US" dirty="0" smtClean="0"/>
-          </a:p>
-        </p:txBody>
-      </p:sp>
-      <p:sp>
-        <p:nvSpPr>
-          <p:cNvPr id="31" name="Rectangle 30"/>
-          <p:cNvSpPr/>
-          <p:nvPr/>
-        </p:nvSpPr>
-        <p:spPr>
-          <a:xfrm>
-            <a:off x="4786072" y="346398"/>
-            <a:ext cx="2448106" cy="1200329"/>
-          </a:xfrm>
-          <a:prstGeom prst="rect">
-            <a:avLst/>
-          </a:prstGeom>
-          <a:noFill/>
-        </p:spPr>
-        <p:txBody>
-          <a:bodyPr wrap="none" lIns="91440" tIns="45720" rIns="91440" bIns="45720">
-            <a:spAutoFit/>
-          </a:bodyPr>
-          <a:lstStyle/>
-          <a:p>
-            <a:pPr algn="ctr"/>
-            <a:r>
-              <a:rPr lang="en-US" sz="7200" b="1" cap="none" spc="0" dirty="0" smtClean="0">
+              <a:r>
+                <a:rPr lang="en-US" sz="7200" b="1" cap="none" spc="0" dirty="0" smtClean="0">
+                  <a:ln w="13462">
+                    <a:solidFill>
+                      <a:schemeClr val="bg1"/>
+                    </a:solidFill>
+                    <a:prstDash val="solid"/>
+                  </a:ln>
+                  <a:solidFill>
+                    <a:schemeClr val="tx1">
+                      <a:lumMod val="85000"/>
+                      <a:lumOff val="15000"/>
+                    </a:schemeClr>
+                  </a:solidFill>
+                  <a:effectLst>
+                    <a:outerShdw dist="38100" dir="2700000" algn="bl" rotWithShape="0">
+                      <a:schemeClr val="accent5"/>
+                    </a:outerShdw>
+                  </a:effectLst>
+                </a:rPr>
+                <a:t>DFD 0</a:t>
+              </a:r>
+              <a:endParaRPr lang="en-US" sz="7200" b="1" cap="none" spc="0" dirty="0">
                 <a:ln w="13462">
                   <a:solidFill>
                     <a:schemeClr val="bg1"/>
@@ -3781,276 +3796,303 @@
                     <a:schemeClr val="accent5"/>
                   </a:outerShdw>
                 </a:effectLst>
-              </a:rPr>
-              <a:t>DFD 0</a:t>
-            </a:r>
-            <a:endParaRPr lang="en-US" sz="7200" b="1" cap="none" spc="0" dirty="0">
-              <a:ln w="13462">
+              </a:endParaRPr>
+            </a:p>
+          </p:txBody>
+        </p:sp>
+        <p:grpSp>
+          <p:nvGrpSpPr>
+            <p:cNvPr id="26" name="Group 25"/>
+            <p:cNvGrpSpPr/>
+            <p:nvPr/>
+          </p:nvGrpSpPr>
+          <p:grpSpPr>
+            <a:xfrm>
+              <a:off x="7656333" y="2169927"/>
+              <a:ext cx="2034713" cy="645879"/>
+              <a:chOff x="2719757" y="3818637"/>
+              <a:chExt cx="1723328" cy="615911"/>
+            </a:xfrm>
+            <a:solidFill>
+              <a:srgbClr val="00B0F0"/>
+            </a:solidFill>
+          </p:grpSpPr>
+          <p:sp>
+            <p:nvSpPr>
+              <p:cNvPr id="27" name="Pentagon 26"/>
+              <p:cNvSpPr/>
+              <p:nvPr/>
+            </p:nvSpPr>
+            <p:spPr>
+              <a:xfrm rot="20519460">
+                <a:off x="2719757" y="4271653"/>
+                <a:ext cx="673330" cy="162895"/>
+              </a:xfrm>
+              <a:prstGeom prst="homePlate">
+                <a:avLst/>
+              </a:prstGeom>
+              <a:grpFill/>
+              <a:ln>
                 <a:solidFill>
-                  <a:schemeClr val="bg1"/>
+                  <a:srgbClr val="0070C0"/>
                 </a:solidFill>
-                <a:prstDash val="solid"/>
               </a:ln>
-              <a:solidFill>
-                <a:schemeClr val="tx1">
-                  <a:lumMod val="85000"/>
-                  <a:lumOff val="15000"/>
+            </p:spPr>
+            <p:style>
+              <a:lnRef idx="2">
+                <a:schemeClr val="accent4">
+                  <a:shade val="50000"/>
                 </a:schemeClr>
-              </a:solidFill>
-              <a:effectLst>
-                <a:outerShdw dist="38100" dir="2700000" algn="bl" rotWithShape="0">
-                  <a:schemeClr val="accent5"/>
-                </a:outerShdw>
-              </a:effectLst>
-            </a:endParaRPr>
-          </a:p>
-        </p:txBody>
-      </p:sp>
-      <p:grpSp>
-        <p:nvGrpSpPr>
-          <p:cNvPr id="26" name="Group 25"/>
-          <p:cNvGrpSpPr/>
-          <p:nvPr/>
-        </p:nvGrpSpPr>
-        <p:grpSpPr>
-          <a:xfrm>
-            <a:off x="7656333" y="2169927"/>
-            <a:ext cx="2034713" cy="645879"/>
-            <a:chOff x="2719757" y="3818637"/>
-            <a:chExt cx="1723328" cy="615911"/>
-          </a:xfrm>
-          <a:solidFill>
-            <a:srgbClr val="00B0F0"/>
-          </a:solidFill>
-        </p:grpSpPr>
+              </a:lnRef>
+              <a:fillRef idx="1">
+                <a:schemeClr val="accent4"/>
+              </a:fillRef>
+              <a:effectRef idx="0">
+                <a:schemeClr val="accent4"/>
+              </a:effectRef>
+              <a:fontRef idx="minor">
+                <a:schemeClr val="lt1"/>
+              </a:fontRef>
+            </p:style>
+            <p:txBody>
+              <a:bodyPr rtlCol="0" anchor="ctr"/>
+              <a:lstStyle/>
+              <a:p>
+                <a:pPr algn="ctr"/>
+                <a:endParaRPr lang="en-US"/>
+              </a:p>
+            </p:txBody>
+          </p:sp>
+          <p:sp>
+            <p:nvSpPr>
+              <p:cNvPr id="28" name="Chevron 27"/>
+              <p:cNvSpPr/>
+              <p:nvPr/>
+            </p:nvSpPr>
+            <p:spPr>
+              <a:xfrm rot="20519460">
+                <a:off x="3371251" y="4133849"/>
+                <a:ext cx="218122" cy="162896"/>
+              </a:xfrm>
+              <a:prstGeom prst="chevron">
+                <a:avLst/>
+              </a:prstGeom>
+              <a:grpFill/>
+              <a:ln>
+                <a:solidFill>
+                  <a:srgbClr val="0070C0"/>
+                </a:solidFill>
+              </a:ln>
+            </p:spPr>
+            <p:style>
+              <a:lnRef idx="2">
+                <a:schemeClr val="accent4">
+                  <a:shade val="50000"/>
+                </a:schemeClr>
+              </a:lnRef>
+              <a:fillRef idx="1">
+                <a:schemeClr val="accent4"/>
+              </a:fillRef>
+              <a:effectRef idx="0">
+                <a:schemeClr val="accent4"/>
+              </a:effectRef>
+              <a:fontRef idx="minor">
+                <a:schemeClr val="lt1"/>
+              </a:fontRef>
+            </p:style>
+            <p:txBody>
+              <a:bodyPr rtlCol="0" anchor="ctr"/>
+              <a:lstStyle/>
+              <a:p>
+                <a:pPr algn="ctr"/>
+                <a:endParaRPr lang="en-US">
+                  <a:solidFill>
+                    <a:schemeClr val="tx1"/>
+                  </a:solidFill>
+                </a:endParaRPr>
+              </a:p>
+            </p:txBody>
+          </p:sp>
+          <p:sp>
+            <p:nvSpPr>
+              <p:cNvPr id="32" name="Chevron 31"/>
+              <p:cNvSpPr/>
+              <p:nvPr/>
+            </p:nvSpPr>
+            <p:spPr>
+              <a:xfrm rot="20519460">
+                <a:off x="3576193" y="4067223"/>
+                <a:ext cx="218122" cy="162896"/>
+              </a:xfrm>
+              <a:prstGeom prst="chevron">
+                <a:avLst/>
+              </a:prstGeom>
+              <a:grpFill/>
+              <a:ln>
+                <a:solidFill>
+                  <a:srgbClr val="0070C0"/>
+                </a:solidFill>
+              </a:ln>
+            </p:spPr>
+            <p:style>
+              <a:lnRef idx="2">
+                <a:schemeClr val="accent4">
+                  <a:shade val="50000"/>
+                </a:schemeClr>
+              </a:lnRef>
+              <a:fillRef idx="1">
+                <a:schemeClr val="accent4"/>
+              </a:fillRef>
+              <a:effectRef idx="0">
+                <a:schemeClr val="accent4"/>
+              </a:effectRef>
+              <a:fontRef idx="minor">
+                <a:schemeClr val="lt1"/>
+              </a:fontRef>
+            </p:style>
+            <p:txBody>
+              <a:bodyPr rtlCol="0" anchor="ctr"/>
+              <a:lstStyle/>
+              <a:p>
+                <a:pPr algn="ctr"/>
+                <a:endParaRPr lang="en-US">
+                  <a:solidFill>
+                    <a:schemeClr val="tx1"/>
+                  </a:solidFill>
+                </a:endParaRPr>
+              </a:p>
+            </p:txBody>
+          </p:sp>
+          <p:sp>
+            <p:nvSpPr>
+              <p:cNvPr id="34" name="Chevron 33"/>
+              <p:cNvSpPr/>
+              <p:nvPr/>
+            </p:nvSpPr>
+            <p:spPr>
+              <a:xfrm rot="20519460">
+                <a:off x="3783619" y="3999789"/>
+                <a:ext cx="218122" cy="162896"/>
+              </a:xfrm>
+              <a:prstGeom prst="chevron">
+                <a:avLst/>
+              </a:prstGeom>
+              <a:grpFill/>
+              <a:ln>
+                <a:solidFill>
+                  <a:srgbClr val="0070C0"/>
+                </a:solidFill>
+              </a:ln>
+            </p:spPr>
+            <p:style>
+              <a:lnRef idx="2">
+                <a:schemeClr val="accent4">
+                  <a:shade val="50000"/>
+                </a:schemeClr>
+              </a:lnRef>
+              <a:fillRef idx="1">
+                <a:schemeClr val="accent4"/>
+              </a:fillRef>
+              <a:effectRef idx="0">
+                <a:schemeClr val="accent4"/>
+              </a:effectRef>
+              <a:fontRef idx="minor">
+                <a:schemeClr val="lt1"/>
+              </a:fontRef>
+            </p:style>
+            <p:txBody>
+              <a:bodyPr rtlCol="0" anchor="ctr"/>
+              <a:lstStyle/>
+              <a:p>
+                <a:pPr algn="ctr"/>
+                <a:endParaRPr lang="en-US">
+                  <a:solidFill>
+                    <a:schemeClr val="tx1"/>
+                  </a:solidFill>
+                </a:endParaRPr>
+              </a:p>
+            </p:txBody>
+          </p:sp>
+          <p:sp>
+            <p:nvSpPr>
+              <p:cNvPr id="35" name="Notched Right Arrow 34"/>
+              <p:cNvSpPr/>
+              <p:nvPr/>
+            </p:nvSpPr>
+            <p:spPr>
+              <a:xfrm rot="20519460">
+                <a:off x="3982625" y="3818637"/>
+                <a:ext cx="460460" cy="317027"/>
+              </a:xfrm>
+              <a:prstGeom prst="notchedRightArrow">
+                <a:avLst/>
+              </a:prstGeom>
+              <a:grpFill/>
+              <a:ln>
+                <a:solidFill>
+                  <a:srgbClr val="0070C0"/>
+                </a:solidFill>
+              </a:ln>
+            </p:spPr>
+            <p:style>
+              <a:lnRef idx="2">
+                <a:schemeClr val="accent4">
+                  <a:shade val="50000"/>
+                </a:schemeClr>
+              </a:lnRef>
+              <a:fillRef idx="1">
+                <a:schemeClr val="accent4"/>
+              </a:fillRef>
+              <a:effectRef idx="0">
+                <a:schemeClr val="accent4"/>
+              </a:effectRef>
+              <a:fontRef idx="minor">
+                <a:schemeClr val="lt1"/>
+              </a:fontRef>
+            </p:style>
+            <p:txBody>
+              <a:bodyPr rtlCol="0" anchor="ctr"/>
+              <a:lstStyle/>
+              <a:p>
+                <a:pPr algn="ctr"/>
+                <a:endParaRPr lang="en-US"/>
+              </a:p>
+            </p:txBody>
+          </p:sp>
+        </p:grpSp>
         <p:sp>
           <p:nvSpPr>
-            <p:cNvPr id="27" name="Pentagon 26"/>
+            <p:cNvPr id="24" name="Right Arrow 23"/>
             <p:cNvSpPr/>
             <p:nvPr/>
           </p:nvSpPr>
           <p:spPr>
-            <a:xfrm rot="20519460">
-              <a:off x="2719757" y="4271653"/>
-              <a:ext cx="673330" cy="162895"/>
+            <a:xfrm rot="1008265">
+              <a:off x="7636584" y="4825749"/>
+              <a:ext cx="2074211" cy="348916"/>
             </a:xfrm>
-            <a:prstGeom prst="homePlate">
+            <a:prstGeom prst="rightArrow">
               <a:avLst/>
             </a:prstGeom>
-            <a:grpFill/>
+            <a:solidFill>
+              <a:srgbClr val="00B0F0"/>
+            </a:solidFill>
             <a:ln>
               <a:solidFill>
                 <a:srgbClr val="0070C0"/>
               </a:solidFill>
             </a:ln>
+            <a:effectLst/>
           </p:spPr>
           <p:style>
-            <a:lnRef idx="2">
-              <a:schemeClr val="accent4">
-                <a:shade val="50000"/>
-              </a:schemeClr>
+            <a:lnRef idx="0">
+              <a:schemeClr val="accent5"/>
             </a:lnRef>
-            <a:fillRef idx="1">
-              <a:schemeClr val="accent4"/>
+            <a:fillRef idx="3">
+              <a:schemeClr val="accent5"/>
             </a:fillRef>
-            <a:effectRef idx="0">
-              <a:schemeClr val="accent4"/>
-            </a:effectRef>
-            <a:fontRef idx="minor">
-              <a:schemeClr val="lt1"/>
-            </a:fontRef>
-          </p:style>
-          <p:txBody>
-            <a:bodyPr rtlCol="0" anchor="ctr"/>
-            <a:lstStyle/>
-            <a:p>
-              <a:pPr algn="ctr"/>
-              <a:endParaRPr lang="en-US"/>
-            </a:p>
-          </p:txBody>
-        </p:sp>
-        <p:sp>
-          <p:nvSpPr>
-            <p:cNvPr id="28" name="Chevron 27"/>
-            <p:cNvSpPr/>
-            <p:nvPr/>
-          </p:nvSpPr>
-          <p:spPr>
-            <a:xfrm rot="20519460">
-              <a:off x="3371251" y="4133849"/>
-              <a:ext cx="218122" cy="162896"/>
-            </a:xfrm>
-            <a:prstGeom prst="chevron">
-              <a:avLst/>
-            </a:prstGeom>
-            <a:grpFill/>
-            <a:ln>
-              <a:solidFill>
-                <a:srgbClr val="0070C0"/>
-              </a:solidFill>
-            </a:ln>
-          </p:spPr>
-          <p:style>
-            <a:lnRef idx="2">
-              <a:schemeClr val="accent4">
-                <a:shade val="50000"/>
-              </a:schemeClr>
-            </a:lnRef>
-            <a:fillRef idx="1">
-              <a:schemeClr val="accent4"/>
-            </a:fillRef>
-            <a:effectRef idx="0">
-              <a:schemeClr val="accent4"/>
-            </a:effectRef>
-            <a:fontRef idx="minor">
-              <a:schemeClr val="lt1"/>
-            </a:fontRef>
-          </p:style>
-          <p:txBody>
-            <a:bodyPr rtlCol="0" anchor="ctr"/>
-            <a:lstStyle/>
-            <a:p>
-              <a:pPr algn="ctr"/>
-              <a:endParaRPr lang="en-US">
-                <a:solidFill>
-                  <a:schemeClr val="tx1"/>
-                </a:solidFill>
-              </a:endParaRPr>
-            </a:p>
-          </p:txBody>
-        </p:sp>
-        <p:sp>
-          <p:nvSpPr>
-            <p:cNvPr id="32" name="Chevron 31"/>
-            <p:cNvSpPr/>
-            <p:nvPr/>
-          </p:nvSpPr>
-          <p:spPr>
-            <a:xfrm rot="20519460">
-              <a:off x="3576193" y="4067223"/>
-              <a:ext cx="218122" cy="162896"/>
-            </a:xfrm>
-            <a:prstGeom prst="chevron">
-              <a:avLst/>
-            </a:prstGeom>
-            <a:grpFill/>
-            <a:ln>
-              <a:solidFill>
-                <a:srgbClr val="0070C0"/>
-              </a:solidFill>
-            </a:ln>
-          </p:spPr>
-          <p:style>
-            <a:lnRef idx="2">
-              <a:schemeClr val="accent4">
-                <a:shade val="50000"/>
-              </a:schemeClr>
-            </a:lnRef>
-            <a:fillRef idx="1">
-              <a:schemeClr val="accent4"/>
-            </a:fillRef>
-            <a:effectRef idx="0">
-              <a:schemeClr val="accent4"/>
-            </a:effectRef>
-            <a:fontRef idx="minor">
-              <a:schemeClr val="lt1"/>
-            </a:fontRef>
-          </p:style>
-          <p:txBody>
-            <a:bodyPr rtlCol="0" anchor="ctr"/>
-            <a:lstStyle/>
-            <a:p>
-              <a:pPr algn="ctr"/>
-              <a:endParaRPr lang="en-US">
-                <a:solidFill>
-                  <a:schemeClr val="tx1"/>
-                </a:solidFill>
-              </a:endParaRPr>
-            </a:p>
-          </p:txBody>
-        </p:sp>
-        <p:sp>
-          <p:nvSpPr>
-            <p:cNvPr id="34" name="Chevron 33"/>
-            <p:cNvSpPr/>
-            <p:nvPr/>
-          </p:nvSpPr>
-          <p:spPr>
-            <a:xfrm rot="20519460">
-              <a:off x="3783619" y="3999789"/>
-              <a:ext cx="218122" cy="162896"/>
-            </a:xfrm>
-            <a:prstGeom prst="chevron">
-              <a:avLst/>
-            </a:prstGeom>
-            <a:grpFill/>
-            <a:ln>
-              <a:solidFill>
-                <a:srgbClr val="0070C0"/>
-              </a:solidFill>
-            </a:ln>
-          </p:spPr>
-          <p:style>
-            <a:lnRef idx="2">
-              <a:schemeClr val="accent4">
-                <a:shade val="50000"/>
-              </a:schemeClr>
-            </a:lnRef>
-            <a:fillRef idx="1">
-              <a:schemeClr val="accent4"/>
-            </a:fillRef>
-            <a:effectRef idx="0">
-              <a:schemeClr val="accent4"/>
-            </a:effectRef>
-            <a:fontRef idx="minor">
-              <a:schemeClr val="lt1"/>
-            </a:fontRef>
-          </p:style>
-          <p:txBody>
-            <a:bodyPr rtlCol="0" anchor="ctr"/>
-            <a:lstStyle/>
-            <a:p>
-              <a:pPr algn="ctr"/>
-              <a:endParaRPr lang="en-US">
-                <a:solidFill>
-                  <a:schemeClr val="tx1"/>
-                </a:solidFill>
-              </a:endParaRPr>
-            </a:p>
-          </p:txBody>
-        </p:sp>
-        <p:sp>
-          <p:nvSpPr>
-            <p:cNvPr id="35" name="Notched Right Arrow 34"/>
-            <p:cNvSpPr/>
-            <p:nvPr/>
-          </p:nvSpPr>
-          <p:spPr>
-            <a:xfrm rot="20519460">
-              <a:off x="3982625" y="3818637"/>
-              <a:ext cx="460460" cy="317027"/>
-            </a:xfrm>
-            <a:prstGeom prst="notchedRightArrow">
-              <a:avLst/>
-            </a:prstGeom>
-            <a:grpFill/>
-            <a:ln>
-              <a:solidFill>
-                <a:srgbClr val="0070C0"/>
-              </a:solidFill>
-            </a:ln>
-          </p:spPr>
-          <p:style>
-            <a:lnRef idx="2">
-              <a:schemeClr val="accent4">
-                <a:shade val="50000"/>
-              </a:schemeClr>
-            </a:lnRef>
-            <a:fillRef idx="1">
-              <a:schemeClr val="accent4"/>
-            </a:fillRef>
-            <a:effectRef idx="0">
-              <a:schemeClr val="accent4"/>
+            <a:effectRef idx="3">
+              <a:schemeClr val="accent5"/>
             </a:effectRef>
             <a:fontRef idx="minor">
               <a:schemeClr val="lt1"/>
@@ -4066,53 +4108,6 @@
           </p:txBody>
         </p:sp>
       </p:grpSp>
-      <p:sp>
-        <p:nvSpPr>
-          <p:cNvPr id="24" name="Right Arrow 23"/>
-          <p:cNvSpPr/>
-          <p:nvPr/>
-        </p:nvSpPr>
-        <p:spPr>
-          <a:xfrm rot="1008265">
-            <a:off x="7636584" y="4825749"/>
-            <a:ext cx="2074211" cy="348916"/>
-          </a:xfrm>
-          <a:prstGeom prst="rightArrow">
-            <a:avLst/>
-          </a:prstGeom>
-          <a:solidFill>
-            <a:srgbClr val="00B0F0"/>
-          </a:solidFill>
-          <a:ln>
-            <a:solidFill>
-              <a:srgbClr val="0070C0"/>
-            </a:solidFill>
-          </a:ln>
-          <a:effectLst/>
-        </p:spPr>
-        <p:style>
-          <a:lnRef idx="0">
-            <a:schemeClr val="accent5"/>
-          </a:lnRef>
-          <a:fillRef idx="3">
-            <a:schemeClr val="accent5"/>
-          </a:fillRef>
-          <a:effectRef idx="3">
-            <a:schemeClr val="accent5"/>
-          </a:effectRef>
-          <a:fontRef idx="minor">
-            <a:schemeClr val="lt1"/>
-          </a:fontRef>
-        </p:style>
-        <p:txBody>
-          <a:bodyPr rtlCol="0" anchor="ctr"/>
-          <a:lstStyle/>
-          <a:p>
-            <a:pPr algn="ctr"/>
-            <a:endParaRPr lang="en-US"/>
-          </a:p>
-        </p:txBody>
-      </p:sp>
     </p:spTree>
     <p:extLst>
       <p:ext uri="{BB962C8B-B14F-4D97-AF65-F5344CB8AC3E}">

--- a/Misc/Powerpoints/DFD_0.pptx
+++ b/Misc/Powerpoints/DFD_0.pptx
@@ -3677,7 +3677,7 @@
           <p:spPr>
             <a:xfrm>
               <a:off x="4570104" y="2249854"/>
-              <a:ext cx="2938884" cy="2031325"/>
+              <a:ext cx="2938884" cy="2308324"/>
             </a:xfrm>
             <a:prstGeom prst="rect">
               <a:avLst/>
@@ -3730,6 +3730,17 @@
                 <a:rPr lang="en-US" dirty="0" smtClean="0"/>
                 <a:t>- Response Module</a:t>
               </a:r>
+            </a:p>
+            <a:p>
+              <a:r>
+                <a:rPr lang="en-US" dirty="0" smtClean="0"/>
+                <a:t>- Touch </a:t>
+              </a:r>
+              <a:r>
+                <a:rPr lang="en-US" smtClean="0"/>
+                <a:t>Screen Module</a:t>
+              </a:r>
+              <a:endParaRPr lang="en-US" dirty="0" smtClean="0"/>
             </a:p>
           </p:txBody>
         </p:sp>

--- a/Misc/Powerpoints/DFD_0.pptx
+++ b/Misc/Powerpoints/DFD_0.pptx
@@ -247,7 +247,7 @@
           <a:p>
             <a:fld id="{3D779448-3E22-46CB-BE87-6150906A4864}" type="datetimeFigureOut">
               <a:rPr lang="en-US" smtClean="0"/>
-              <a:t>4/7/2018</a:t>
+              <a:t>4/14/2018</a:t>
             </a:fld>
             <a:endParaRPr lang="en-US"/>
           </a:p>
@@ -417,7 +417,7 @@
           <a:p>
             <a:fld id="{3D779448-3E22-46CB-BE87-6150906A4864}" type="datetimeFigureOut">
               <a:rPr lang="en-US" smtClean="0"/>
-              <a:t>4/7/2018</a:t>
+              <a:t>4/14/2018</a:t>
             </a:fld>
             <a:endParaRPr lang="en-US"/>
           </a:p>
@@ -597,7 +597,7 @@
           <a:p>
             <a:fld id="{3D779448-3E22-46CB-BE87-6150906A4864}" type="datetimeFigureOut">
               <a:rPr lang="en-US" smtClean="0"/>
-              <a:t>4/7/2018</a:t>
+              <a:t>4/14/2018</a:t>
             </a:fld>
             <a:endParaRPr lang="en-US"/>
           </a:p>
@@ -767,7 +767,7 @@
           <a:p>
             <a:fld id="{3D779448-3E22-46CB-BE87-6150906A4864}" type="datetimeFigureOut">
               <a:rPr lang="en-US" smtClean="0"/>
-              <a:t>4/7/2018</a:t>
+              <a:t>4/14/2018</a:t>
             </a:fld>
             <a:endParaRPr lang="en-US"/>
           </a:p>
@@ -1013,7 +1013,7 @@
           <a:p>
             <a:fld id="{3D779448-3E22-46CB-BE87-6150906A4864}" type="datetimeFigureOut">
               <a:rPr lang="en-US" smtClean="0"/>
-              <a:t>4/7/2018</a:t>
+              <a:t>4/14/2018</a:t>
             </a:fld>
             <a:endParaRPr lang="en-US"/>
           </a:p>
@@ -1245,7 +1245,7 @@
           <a:p>
             <a:fld id="{3D779448-3E22-46CB-BE87-6150906A4864}" type="datetimeFigureOut">
               <a:rPr lang="en-US" smtClean="0"/>
-              <a:t>4/7/2018</a:t>
+              <a:t>4/14/2018</a:t>
             </a:fld>
             <a:endParaRPr lang="en-US"/>
           </a:p>
@@ -1612,7 +1612,7 @@
           <a:p>
             <a:fld id="{3D779448-3E22-46CB-BE87-6150906A4864}" type="datetimeFigureOut">
               <a:rPr lang="en-US" smtClean="0"/>
-              <a:t>4/7/2018</a:t>
+              <a:t>4/14/2018</a:t>
             </a:fld>
             <a:endParaRPr lang="en-US"/>
           </a:p>
@@ -1730,7 +1730,7 @@
           <a:p>
             <a:fld id="{3D779448-3E22-46CB-BE87-6150906A4864}" type="datetimeFigureOut">
               <a:rPr lang="en-US" smtClean="0"/>
-              <a:t>4/7/2018</a:t>
+              <a:t>4/14/2018</a:t>
             </a:fld>
             <a:endParaRPr lang="en-US"/>
           </a:p>
@@ -1825,7 +1825,7 @@
           <a:p>
             <a:fld id="{3D779448-3E22-46CB-BE87-6150906A4864}" type="datetimeFigureOut">
               <a:rPr lang="en-US" smtClean="0"/>
-              <a:t>4/7/2018</a:t>
+              <a:t>4/14/2018</a:t>
             </a:fld>
             <a:endParaRPr lang="en-US"/>
           </a:p>
@@ -2102,7 +2102,7 @@
           <a:p>
             <a:fld id="{3D779448-3E22-46CB-BE87-6150906A4864}" type="datetimeFigureOut">
               <a:rPr lang="en-US" smtClean="0"/>
-              <a:t>4/7/2018</a:t>
+              <a:t>4/14/2018</a:t>
             </a:fld>
             <a:endParaRPr lang="en-US"/>
           </a:p>
@@ -2355,7 +2355,7 @@
           <a:p>
             <a:fld id="{3D779448-3E22-46CB-BE87-6150906A4864}" type="datetimeFigureOut">
               <a:rPr lang="en-US" smtClean="0"/>
-              <a:t>4/7/2018</a:t>
+              <a:t>4/14/2018</a:t>
             </a:fld>
             <a:endParaRPr lang="en-US"/>
           </a:p>
@@ -2568,7 +2568,7 @@
           <a:p>
             <a:fld id="{3D779448-3E22-46CB-BE87-6150906A4864}" type="datetimeFigureOut">
               <a:rPr lang="en-US" smtClean="0"/>
-              <a:t>4/7/2018</a:t>
+              <a:t>4/14/2018</a:t>
             </a:fld>
             <a:endParaRPr lang="en-US"/>
           </a:p>
@@ -3677,7 +3677,7 @@
           <p:spPr>
             <a:xfrm>
               <a:off x="4570104" y="2249854"/>
-              <a:ext cx="2938884" cy="2308324"/>
+              <a:ext cx="2938884" cy="2585323"/>
             </a:xfrm>
             <a:prstGeom prst="rect">
               <a:avLst/>
@@ -3710,6 +3710,13 @@
             <a:p>
               <a:r>
                 <a:rPr lang="en-US" dirty="0" smtClean="0"/>
+                <a:t>- Main Control Module</a:t>
+              </a:r>
+              <a:endParaRPr lang="en-US" dirty="0" smtClean="0"/>
+            </a:p>
+            <a:p>
+              <a:r>
+                <a:rPr lang="en-US" dirty="0" smtClean="0"/>
                 <a:t>- Cereal Dispensing Module</a:t>
               </a:r>
             </a:p>
@@ -3734,13 +3741,8 @@
             <a:p>
               <a:r>
                 <a:rPr lang="en-US" dirty="0" smtClean="0"/>
-                <a:t>- Touch </a:t>
+                <a:t>- Touch Screen Module</a:t>
               </a:r>
-              <a:r>
-                <a:rPr lang="en-US" smtClean="0"/>
-                <a:t>Screen Module</a:t>
-              </a:r>
-              <a:endParaRPr lang="en-US" dirty="0" smtClean="0"/>
             </a:p>
           </p:txBody>
         </p:sp>

--- a/Misc/Powerpoints/DFD_0.pptx
+++ b/Misc/Powerpoints/DFD_0.pptx
@@ -247,7 +247,7 @@
           <a:p>
             <a:fld id="{3D779448-3E22-46CB-BE87-6150906A4864}" type="datetimeFigureOut">
               <a:rPr lang="en-US" smtClean="0"/>
-              <a:t>4/14/2018</a:t>
+              <a:t>5/2/2018</a:t>
             </a:fld>
             <a:endParaRPr lang="en-US"/>
           </a:p>
@@ -417,7 +417,7 @@
           <a:p>
             <a:fld id="{3D779448-3E22-46CB-BE87-6150906A4864}" type="datetimeFigureOut">
               <a:rPr lang="en-US" smtClean="0"/>
-              <a:t>4/14/2018</a:t>
+              <a:t>5/2/2018</a:t>
             </a:fld>
             <a:endParaRPr lang="en-US"/>
           </a:p>
@@ -597,7 +597,7 @@
           <a:p>
             <a:fld id="{3D779448-3E22-46CB-BE87-6150906A4864}" type="datetimeFigureOut">
               <a:rPr lang="en-US" smtClean="0"/>
-              <a:t>4/14/2018</a:t>
+              <a:t>5/2/2018</a:t>
             </a:fld>
             <a:endParaRPr lang="en-US"/>
           </a:p>
@@ -767,7 +767,7 @@
           <a:p>
             <a:fld id="{3D779448-3E22-46CB-BE87-6150906A4864}" type="datetimeFigureOut">
               <a:rPr lang="en-US" smtClean="0"/>
-              <a:t>4/14/2018</a:t>
+              <a:t>5/2/2018</a:t>
             </a:fld>
             <a:endParaRPr lang="en-US"/>
           </a:p>
@@ -1013,7 +1013,7 @@
           <a:p>
             <a:fld id="{3D779448-3E22-46CB-BE87-6150906A4864}" type="datetimeFigureOut">
               <a:rPr lang="en-US" smtClean="0"/>
-              <a:t>4/14/2018</a:t>
+              <a:t>5/2/2018</a:t>
             </a:fld>
             <a:endParaRPr lang="en-US"/>
           </a:p>
@@ -1245,7 +1245,7 @@
           <a:p>
             <a:fld id="{3D779448-3E22-46CB-BE87-6150906A4864}" type="datetimeFigureOut">
               <a:rPr lang="en-US" smtClean="0"/>
-              <a:t>4/14/2018</a:t>
+              <a:t>5/2/2018</a:t>
             </a:fld>
             <a:endParaRPr lang="en-US"/>
           </a:p>
@@ -1612,7 +1612,7 @@
           <a:p>
             <a:fld id="{3D779448-3E22-46CB-BE87-6150906A4864}" type="datetimeFigureOut">
               <a:rPr lang="en-US" smtClean="0"/>
-              <a:t>4/14/2018</a:t>
+              <a:t>5/2/2018</a:t>
             </a:fld>
             <a:endParaRPr lang="en-US"/>
           </a:p>
@@ -1730,7 +1730,7 @@
           <a:p>
             <a:fld id="{3D779448-3E22-46CB-BE87-6150906A4864}" type="datetimeFigureOut">
               <a:rPr lang="en-US" smtClean="0"/>
-              <a:t>4/14/2018</a:t>
+              <a:t>5/2/2018</a:t>
             </a:fld>
             <a:endParaRPr lang="en-US"/>
           </a:p>
@@ -1825,7 +1825,7 @@
           <a:p>
             <a:fld id="{3D779448-3E22-46CB-BE87-6150906A4864}" type="datetimeFigureOut">
               <a:rPr lang="en-US" smtClean="0"/>
-              <a:t>4/14/2018</a:t>
+              <a:t>5/2/2018</a:t>
             </a:fld>
             <a:endParaRPr lang="en-US"/>
           </a:p>
@@ -2102,7 +2102,7 @@
           <a:p>
             <a:fld id="{3D779448-3E22-46CB-BE87-6150906A4864}" type="datetimeFigureOut">
               <a:rPr lang="en-US" smtClean="0"/>
-              <a:t>4/14/2018</a:t>
+              <a:t>5/2/2018</a:t>
             </a:fld>
             <a:endParaRPr lang="en-US"/>
           </a:p>
@@ -2355,7 +2355,7 @@
           <a:p>
             <a:fld id="{3D779448-3E22-46CB-BE87-6150906A4864}" type="datetimeFigureOut">
               <a:rPr lang="en-US" smtClean="0"/>
-              <a:t>4/14/2018</a:t>
+              <a:t>5/2/2018</a:t>
             </a:fld>
             <a:endParaRPr lang="en-US"/>
           </a:p>
@@ -2568,7 +2568,7 @@
           <a:p>
             <a:fld id="{3D779448-3E22-46CB-BE87-6150906A4864}" type="datetimeFigureOut">
               <a:rPr lang="en-US" smtClean="0"/>
-              <a:t>4/14/2018</a:t>
+              <a:t>5/2/2018</a:t>
             </a:fld>
             <a:endParaRPr lang="en-US"/>
           </a:p>
@@ -3677,7 +3677,7 @@
           <p:spPr>
             <a:xfrm>
               <a:off x="4570104" y="2249854"/>
-              <a:ext cx="2938884" cy="2585323"/>
+              <a:ext cx="2938884" cy="2308324"/>
             </a:xfrm>
             <a:prstGeom prst="rect">
               <a:avLst/>
@@ -3712,7 +3712,6 @@
                 <a:rPr lang="en-US" dirty="0" smtClean="0"/>
                 <a:t>- Main Control Module</a:t>
               </a:r>
-              <a:endParaRPr lang="en-US" dirty="0" smtClean="0"/>
             </a:p>
             <a:p>
               <a:r>
@@ -3723,14 +3722,17 @@
             <a:p>
               <a:r>
                 <a:rPr lang="en-US" dirty="0" smtClean="0"/>
-                <a:t>- Milk Dispensing Module</a:t>
+                <a:t>- Milk </a:t>
               </a:r>
-            </a:p>
-            <a:p>
               <a:r>
-                <a:rPr lang="en-US" dirty="0" smtClean="0"/>
-                <a:t>- Speech Recognition Module</a:t>
+                <a:rPr lang="en-US" smtClean="0"/>
+                <a:t>Dispensing </a:t>
               </a:r>
+              <a:r>
+                <a:rPr lang="en-US" smtClean="0"/>
+                <a:t>Module</a:t>
+              </a:r>
+              <a:endParaRPr lang="en-US" dirty="0" smtClean="0"/>
             </a:p>
             <a:p>
               <a:r>

--- a/Misc/Powerpoints/DFD_0.pptx
+++ b/Misc/Powerpoints/DFD_0.pptx
@@ -3177,10 +3177,10 @@
         </p:nvGrpSpPr>
         <p:grpSpPr>
           <a:xfrm>
-            <a:off x="237933" y="346398"/>
-            <a:ext cx="11691368" cy="5453534"/>
-            <a:chOff x="237933" y="346398"/>
-            <a:chExt cx="11691368" cy="5453534"/>
+            <a:off x="295969" y="346398"/>
+            <a:ext cx="11633332" cy="5453534"/>
+            <a:chOff x="295969" y="346398"/>
+            <a:chExt cx="11633332" cy="5453534"/>
           </a:xfrm>
         </p:grpSpPr>
         <p:sp>
@@ -3229,7 +3229,7 @@
           </p:nvSpPr>
           <p:spPr>
             <a:xfrm>
-              <a:off x="237933" y="2602616"/>
+              <a:off x="295969" y="3204195"/>
               <a:ext cx="2394285" cy="950494"/>
             </a:xfrm>
             <a:prstGeom prst="rect">
@@ -3273,9 +3273,9 @@
             <p:nvPr/>
           </p:nvSpPr>
           <p:spPr>
-            <a:xfrm rot="635141">
-              <a:off x="2677794" y="3055218"/>
-              <a:ext cx="1768631" cy="348916"/>
+            <a:xfrm>
+              <a:off x="2550695" y="3504984"/>
+              <a:ext cx="1845937" cy="348916"/>
             </a:xfrm>
             <a:prstGeom prst="rightArrow">
               <a:avLst/>
@@ -3398,278 +3398,6 @@
         </p:sp>
         <p:sp>
           <p:nvSpPr>
-            <p:cNvPr id="25" name="Rectangle 24"/>
-            <p:cNvSpPr/>
-            <p:nvPr/>
-          </p:nvSpPr>
-          <p:spPr>
-            <a:xfrm>
-              <a:off x="237933" y="3940296"/>
-              <a:ext cx="2394285" cy="950494"/>
-            </a:xfrm>
-            <a:prstGeom prst="rect">
-              <a:avLst/>
-            </a:prstGeom>
-            <a:solidFill>
-              <a:schemeClr val="accent6"/>
-            </a:solidFill>
-          </p:spPr>
-          <p:style>
-            <a:lnRef idx="3">
-              <a:schemeClr val="lt1"/>
-            </a:lnRef>
-            <a:fillRef idx="1">
-              <a:schemeClr val="accent3"/>
-            </a:fillRef>
-            <a:effectRef idx="1">
-              <a:schemeClr val="accent3"/>
-            </a:effectRef>
-            <a:fontRef idx="minor">
-              <a:schemeClr val="lt1"/>
-            </a:fontRef>
-          </p:style>
-          <p:txBody>
-            <a:bodyPr rtlCol="0" anchor="ctr"/>
-            <a:lstStyle/>
-            <a:p>
-              <a:pPr algn="ctr"/>
-              <a:r>
-                <a:rPr lang="en-US" sz="2400" dirty="0" smtClean="0"/>
-                <a:t>Voice Input</a:t>
-              </a:r>
-              <a:endParaRPr lang="en-US" sz="2400" dirty="0"/>
-            </a:p>
-          </p:txBody>
-        </p:sp>
-        <p:grpSp>
-          <p:nvGrpSpPr>
-            <p:cNvPr id="8" name="Group 7"/>
-            <p:cNvGrpSpPr/>
-            <p:nvPr/>
-          </p:nvGrpSpPr>
-          <p:grpSpPr>
-            <a:xfrm>
-              <a:off x="2719757" y="3818637"/>
-              <a:ext cx="1723328" cy="615911"/>
-              <a:chOff x="2719757" y="3818637"/>
-              <a:chExt cx="1723328" cy="615911"/>
-            </a:xfrm>
-          </p:grpSpPr>
-          <p:sp>
-            <p:nvSpPr>
-              <p:cNvPr id="3" name="Pentagon 2"/>
-              <p:cNvSpPr/>
-              <p:nvPr/>
-            </p:nvSpPr>
-            <p:spPr>
-              <a:xfrm rot="20519460">
-                <a:off x="2719757" y="4271653"/>
-                <a:ext cx="673330" cy="162895"/>
-              </a:xfrm>
-              <a:prstGeom prst="homePlate">
-                <a:avLst/>
-              </a:prstGeom>
-            </p:spPr>
-            <p:style>
-              <a:lnRef idx="2">
-                <a:schemeClr val="accent4">
-                  <a:shade val="50000"/>
-                </a:schemeClr>
-              </a:lnRef>
-              <a:fillRef idx="1">
-                <a:schemeClr val="accent4"/>
-              </a:fillRef>
-              <a:effectRef idx="0">
-                <a:schemeClr val="accent4"/>
-              </a:effectRef>
-              <a:fontRef idx="minor">
-                <a:schemeClr val="lt1"/>
-              </a:fontRef>
-            </p:style>
-            <p:txBody>
-              <a:bodyPr rtlCol="0" anchor="ctr"/>
-              <a:lstStyle/>
-              <a:p>
-                <a:pPr algn="ctr"/>
-                <a:endParaRPr lang="en-US"/>
-              </a:p>
-            </p:txBody>
-          </p:sp>
-          <p:sp>
-            <p:nvSpPr>
-              <p:cNvPr id="6" name="Chevron 5"/>
-              <p:cNvSpPr/>
-              <p:nvPr/>
-            </p:nvSpPr>
-            <p:spPr>
-              <a:xfrm rot="20519460">
-                <a:off x="3371251" y="4133849"/>
-                <a:ext cx="218122" cy="162896"/>
-              </a:xfrm>
-              <a:prstGeom prst="chevron">
-                <a:avLst/>
-              </a:prstGeom>
-            </p:spPr>
-            <p:style>
-              <a:lnRef idx="2">
-                <a:schemeClr val="accent4">
-                  <a:shade val="50000"/>
-                </a:schemeClr>
-              </a:lnRef>
-              <a:fillRef idx="1">
-                <a:schemeClr val="accent4"/>
-              </a:fillRef>
-              <a:effectRef idx="0">
-                <a:schemeClr val="accent4"/>
-              </a:effectRef>
-              <a:fontRef idx="minor">
-                <a:schemeClr val="lt1"/>
-              </a:fontRef>
-            </p:style>
-            <p:txBody>
-              <a:bodyPr rtlCol="0" anchor="ctr"/>
-              <a:lstStyle/>
-              <a:p>
-                <a:pPr algn="ctr"/>
-                <a:endParaRPr lang="en-US">
-                  <a:solidFill>
-                    <a:schemeClr val="tx1"/>
-                  </a:solidFill>
-                </a:endParaRPr>
-              </a:p>
-            </p:txBody>
-          </p:sp>
-          <p:sp>
-            <p:nvSpPr>
-              <p:cNvPr id="29" name="Chevron 28"/>
-              <p:cNvSpPr/>
-              <p:nvPr/>
-            </p:nvSpPr>
-            <p:spPr>
-              <a:xfrm rot="20519460">
-                <a:off x="3576193" y="4067223"/>
-                <a:ext cx="218122" cy="162896"/>
-              </a:xfrm>
-              <a:prstGeom prst="chevron">
-                <a:avLst/>
-              </a:prstGeom>
-            </p:spPr>
-            <p:style>
-              <a:lnRef idx="2">
-                <a:schemeClr val="accent4">
-                  <a:shade val="50000"/>
-                </a:schemeClr>
-              </a:lnRef>
-              <a:fillRef idx="1">
-                <a:schemeClr val="accent4"/>
-              </a:fillRef>
-              <a:effectRef idx="0">
-                <a:schemeClr val="accent4"/>
-              </a:effectRef>
-              <a:fontRef idx="minor">
-                <a:schemeClr val="lt1"/>
-              </a:fontRef>
-            </p:style>
-            <p:txBody>
-              <a:bodyPr rtlCol="0" anchor="ctr"/>
-              <a:lstStyle/>
-              <a:p>
-                <a:pPr algn="ctr"/>
-                <a:endParaRPr lang="en-US">
-                  <a:solidFill>
-                    <a:schemeClr val="tx1"/>
-                  </a:solidFill>
-                </a:endParaRPr>
-              </a:p>
-            </p:txBody>
-          </p:sp>
-          <p:sp>
-            <p:nvSpPr>
-              <p:cNvPr id="30" name="Chevron 29"/>
-              <p:cNvSpPr/>
-              <p:nvPr/>
-            </p:nvSpPr>
-            <p:spPr>
-              <a:xfrm rot="20519460">
-                <a:off x="3783619" y="3999789"/>
-                <a:ext cx="218122" cy="162896"/>
-              </a:xfrm>
-              <a:prstGeom prst="chevron">
-                <a:avLst/>
-              </a:prstGeom>
-            </p:spPr>
-            <p:style>
-              <a:lnRef idx="2">
-                <a:schemeClr val="accent4">
-                  <a:shade val="50000"/>
-                </a:schemeClr>
-              </a:lnRef>
-              <a:fillRef idx="1">
-                <a:schemeClr val="accent4"/>
-              </a:fillRef>
-              <a:effectRef idx="0">
-                <a:schemeClr val="accent4"/>
-              </a:effectRef>
-              <a:fontRef idx="minor">
-                <a:schemeClr val="lt1"/>
-              </a:fontRef>
-            </p:style>
-            <p:txBody>
-              <a:bodyPr rtlCol="0" anchor="ctr"/>
-              <a:lstStyle/>
-              <a:p>
-                <a:pPr algn="ctr"/>
-                <a:endParaRPr lang="en-US">
-                  <a:solidFill>
-                    <a:schemeClr val="tx1"/>
-                  </a:solidFill>
-                </a:endParaRPr>
-              </a:p>
-            </p:txBody>
-          </p:sp>
-          <p:sp>
-            <p:nvSpPr>
-              <p:cNvPr id="7" name="Notched Right Arrow 6"/>
-              <p:cNvSpPr/>
-              <p:nvPr/>
-            </p:nvSpPr>
-            <p:spPr>
-              <a:xfrm rot="20519460">
-                <a:off x="3982625" y="3818637"/>
-                <a:ext cx="460460" cy="317027"/>
-              </a:xfrm>
-              <a:prstGeom prst="notchedRightArrow">
-                <a:avLst/>
-              </a:prstGeom>
-            </p:spPr>
-            <p:style>
-              <a:lnRef idx="2">
-                <a:schemeClr val="accent4">
-                  <a:shade val="50000"/>
-                </a:schemeClr>
-              </a:lnRef>
-              <a:fillRef idx="1">
-                <a:schemeClr val="accent4"/>
-              </a:fillRef>
-              <a:effectRef idx="0">
-                <a:schemeClr val="accent4"/>
-              </a:effectRef>
-              <a:fontRef idx="minor">
-                <a:schemeClr val="lt1"/>
-              </a:fontRef>
-            </p:style>
-            <p:txBody>
-              <a:bodyPr rtlCol="0" anchor="ctr"/>
-              <a:lstStyle/>
-              <a:p>
-                <a:pPr algn="ctr"/>
-                <a:endParaRPr lang="en-US"/>
-              </a:p>
-            </p:txBody>
-          </p:sp>
-        </p:grpSp>
-        <p:sp>
-          <p:nvSpPr>
             <p:cNvPr id="11" name="TextBox 10"/>
             <p:cNvSpPr txBox="1"/>
             <p:nvPr/>
@@ -3726,11 +3454,7 @@
               </a:r>
               <a:r>
                 <a:rPr lang="en-US" smtClean="0"/>
-                <a:t>Dispensing </a:t>
-              </a:r>
-              <a:r>
-                <a:rPr lang="en-US" smtClean="0"/>
-                <a:t>Module</a:t>
+                <a:t>Dispensing Module</a:t>
               </a:r>
               <a:endParaRPr lang="en-US" dirty="0" smtClean="0"/>
             </a:p>
